--- a/figure/softwarestack.pptx
+++ b/figure/softwarestack.pptx
@@ -10,7 +10,7 @@
   <p:sldIdLst>
     <p:sldId id="344" r:id="rId2"/>
   </p:sldIdLst>
-  <p:sldSz cx="9144000" cy="6858000" type="screen4x3"/>
+  <p:sldSz cx="9144000" cy="5418138"/>
   <p:notesSz cx="6742113" cy="9872663"/>
   <p:defaultTextStyle>
     <a:defPPr>
@@ -140,12 +140,12 @@
   <p:extLst>
     <p:ext uri="{EFAFB233-063F-42B5-8137-9DF3F51BA10A}">
       <p15:sldGuideLst xmlns:p15="http://schemas.microsoft.com/office/powerpoint/2012/main">
-        <p15:guide id="1" orient="horz" pos="2160">
+        <p15:guide id="1" orient="horz" pos="1707" userDrawn="1">
           <p15:clr>
             <a:srgbClr val="A4A3A4"/>
           </p15:clr>
         </p15:guide>
-        <p15:guide id="2" pos="2880">
+        <p15:guide id="2" pos="2880" userDrawn="1">
           <p15:clr>
             <a:srgbClr val="A4A3A4"/>
           </p15:clr>
@@ -369,8 +369,8 @@
         </p:nvSpPr>
         <p:spPr bwMode="auto">
           <a:xfrm>
-            <a:off x="904875" y="739775"/>
-            <a:ext cx="4937125" cy="3703638"/>
+            <a:off x="249238" y="739775"/>
+            <a:ext cx="6248400" cy="3703638"/>
           </a:xfrm>
           <a:prstGeom prst="rect">
             <a:avLst/>
@@ -860,8 +860,8 @@
         </p:nvSpPr>
         <p:spPr>
           <a:xfrm>
-            <a:off x="685802" y="2130432"/>
-            <a:ext cx="7772400" cy="1470025"/>
+            <a:off x="685802" y="1683140"/>
+            <a:ext cx="7772400" cy="1161388"/>
           </a:xfrm>
         </p:spPr>
         <p:txBody>
@@ -888,8 +888,8 @@
         </p:nvSpPr>
         <p:spPr>
           <a:xfrm>
-            <a:off x="1371606" y="3886201"/>
-            <a:ext cx="6400798" cy="1752600"/>
+            <a:off x="1371606" y="3070279"/>
+            <a:ext cx="6400798" cy="1384635"/>
           </a:xfrm>
         </p:spPr>
         <p:txBody>
@@ -1012,7 +1012,7 @@
           <a:p>
             <a:fld id="{E90ED720-0104-4369-84BC-D37694168613}" type="datetimeFigureOut">
               <a:rPr kumimoji="1" lang="ja-JP" altLang="en-US" smtClean="0"/>
-              <a:t>2017/1/24</a:t>
+              <a:t>2017/4/7</a:t>
             </a:fld>
             <a:endParaRPr kumimoji="1" lang="ja-JP" altLang="en-US"/>
           </a:p>
@@ -1214,7 +1214,7 @@
           <a:p>
             <a:fld id="{E90ED720-0104-4369-84BC-D37694168613}" type="datetimeFigureOut">
               <a:rPr kumimoji="1" lang="ja-JP" altLang="en-US" smtClean="0"/>
-              <a:t>2017/1/24</a:t>
+              <a:t>2017/4/7</a:t>
             </a:fld>
             <a:endParaRPr kumimoji="1" lang="ja-JP" altLang="en-US"/>
           </a:p>
@@ -1304,8 +1304,8 @@
         </p:nvSpPr>
         <p:spPr>
           <a:xfrm>
-            <a:off x="6629401" y="274648"/>
-            <a:ext cx="2057400" cy="5851525"/>
+            <a:off x="6629401" y="216985"/>
+            <a:ext cx="2057400" cy="4622976"/>
           </a:xfrm>
         </p:spPr>
         <p:txBody>
@@ -1332,8 +1332,8 @@
         </p:nvSpPr>
         <p:spPr>
           <a:xfrm>
-            <a:off x="457205" y="274648"/>
-            <a:ext cx="6019799" cy="5851525"/>
+            <a:off x="457206" y="216985"/>
+            <a:ext cx="6019799" cy="4622976"/>
           </a:xfrm>
         </p:spPr>
         <p:txBody>
@@ -1426,7 +1426,7 @@
           <a:p>
             <a:fld id="{E90ED720-0104-4369-84BC-D37694168613}" type="datetimeFigureOut">
               <a:rPr kumimoji="1" lang="ja-JP" altLang="en-US" smtClean="0"/>
-              <a:t>2017/1/24</a:t>
+              <a:t>2017/4/7</a:t>
             </a:fld>
             <a:endParaRPr kumimoji="1" lang="ja-JP" altLang="en-US"/>
           </a:p>
@@ -1628,7 +1628,7 @@
           <a:p>
             <a:fld id="{E90ED720-0104-4369-84BC-D37694168613}" type="datetimeFigureOut">
               <a:rPr kumimoji="1" lang="ja-JP" altLang="en-US" smtClean="0"/>
-              <a:t>2017/1/24</a:t>
+              <a:t>2017/4/7</a:t>
             </a:fld>
             <a:endParaRPr kumimoji="1" lang="ja-JP" altLang="en-US"/>
           </a:p>
@@ -1718,8 +1718,8 @@
         </p:nvSpPr>
         <p:spPr>
           <a:xfrm>
-            <a:off x="722314" y="4406909"/>
-            <a:ext cx="7772400" cy="1362075"/>
+            <a:off x="722314" y="3481663"/>
+            <a:ext cx="7772400" cy="1076102"/>
           </a:xfrm>
         </p:spPr>
         <p:txBody>
@@ -1750,8 +1750,8 @@
         </p:nvSpPr>
         <p:spPr>
           <a:xfrm>
-            <a:off x="722314" y="2906714"/>
-            <a:ext cx="7772400" cy="1500187"/>
+            <a:off x="722314" y="2296439"/>
+            <a:ext cx="7772400" cy="1185217"/>
           </a:xfrm>
         </p:spPr>
         <p:txBody>
@@ -1874,7 +1874,7 @@
           <a:p>
             <a:fld id="{E90ED720-0104-4369-84BC-D37694168613}" type="datetimeFigureOut">
               <a:rPr kumimoji="1" lang="ja-JP" altLang="en-US" smtClean="0"/>
-              <a:t>2017/1/24</a:t>
+              <a:t>2017/4/7</a:t>
             </a:fld>
             <a:endParaRPr kumimoji="1" lang="ja-JP" altLang="en-US"/>
           </a:p>
@@ -1987,8 +1987,8 @@
         </p:nvSpPr>
         <p:spPr>
           <a:xfrm>
-            <a:off x="457205" y="1600206"/>
-            <a:ext cx="4038601" cy="4525963"/>
+            <a:off x="457206" y="1264237"/>
+            <a:ext cx="4038601" cy="3575721"/>
           </a:xfrm>
         </p:spPr>
         <p:txBody>
@@ -2104,8 +2104,8 @@
         </p:nvSpPr>
         <p:spPr>
           <a:xfrm>
-            <a:off x="4648206" y="1600206"/>
-            <a:ext cx="4038601" cy="4525963"/>
+            <a:off x="4648207" y="1264237"/>
+            <a:ext cx="4038601" cy="3575721"/>
           </a:xfrm>
         </p:spPr>
         <p:txBody>
@@ -2226,7 +2226,7 @@
           <a:p>
             <a:fld id="{E90ED720-0104-4369-84BC-D37694168613}" type="datetimeFigureOut">
               <a:rPr kumimoji="1" lang="ja-JP" altLang="en-US" smtClean="0"/>
-              <a:t>2017/1/24</a:t>
+              <a:t>2017/4/7</a:t>
             </a:fld>
             <a:endParaRPr kumimoji="1" lang="ja-JP" altLang="en-US"/>
           </a:p>
@@ -2343,8 +2343,8 @@
         </p:nvSpPr>
         <p:spPr>
           <a:xfrm>
-            <a:off x="457204" y="1535114"/>
-            <a:ext cx="4040187" cy="639762"/>
+            <a:off x="457205" y="1212811"/>
+            <a:ext cx="4040187" cy="505442"/>
           </a:xfrm>
         </p:spPr>
         <p:txBody>
@@ -2408,8 +2408,8 @@
         </p:nvSpPr>
         <p:spPr>
           <a:xfrm>
-            <a:off x="457204" y="2174875"/>
-            <a:ext cx="4040187" cy="3951288"/>
+            <a:off x="457205" y="1718252"/>
+            <a:ext cx="4040187" cy="3121701"/>
           </a:xfrm>
         </p:spPr>
         <p:txBody>
@@ -2525,8 +2525,8 @@
         </p:nvSpPr>
         <p:spPr>
           <a:xfrm>
-            <a:off x="4645027" y="1535114"/>
-            <a:ext cx="4041774" cy="639762"/>
+            <a:off x="4645027" y="1212811"/>
+            <a:ext cx="4041774" cy="505442"/>
           </a:xfrm>
         </p:spPr>
         <p:txBody>
@@ -2590,8 +2590,8 @@
         </p:nvSpPr>
         <p:spPr>
           <a:xfrm>
-            <a:off x="4645027" y="2174875"/>
-            <a:ext cx="4041774" cy="3951288"/>
+            <a:off x="4645027" y="1718252"/>
+            <a:ext cx="4041774" cy="3121701"/>
           </a:xfrm>
         </p:spPr>
         <p:txBody>
@@ -2712,7 +2712,7 @@
           <a:p>
             <a:fld id="{E90ED720-0104-4369-84BC-D37694168613}" type="datetimeFigureOut">
               <a:rPr kumimoji="1" lang="ja-JP" altLang="en-US" smtClean="0"/>
-              <a:t>2017/1/24</a:t>
+              <a:t>2017/4/7</a:t>
             </a:fld>
             <a:endParaRPr kumimoji="1" lang="ja-JP" altLang="en-US"/>
           </a:p>
@@ -2830,7 +2830,7 @@
           <a:p>
             <a:fld id="{E90ED720-0104-4369-84BC-D37694168613}" type="datetimeFigureOut">
               <a:rPr kumimoji="1" lang="ja-JP" altLang="en-US" smtClean="0"/>
-              <a:t>2017/1/24</a:t>
+              <a:t>2017/4/7</a:t>
             </a:fld>
             <a:endParaRPr kumimoji="1" lang="ja-JP" altLang="en-US"/>
           </a:p>
@@ -2925,7 +2925,7 @@
           <a:p>
             <a:fld id="{E90ED720-0104-4369-84BC-D37694168613}" type="datetimeFigureOut">
               <a:rPr kumimoji="1" lang="ja-JP" altLang="en-US" smtClean="0"/>
-              <a:t>2017/1/24</a:t>
+              <a:t>2017/4/7</a:t>
             </a:fld>
             <a:endParaRPr kumimoji="1" lang="ja-JP" altLang="en-US"/>
           </a:p>
@@ -3015,8 +3015,8 @@
         </p:nvSpPr>
         <p:spPr>
           <a:xfrm>
-            <a:off x="457202" y="273052"/>
-            <a:ext cx="3008313" cy="1162050"/>
+            <a:off x="457203" y="215724"/>
+            <a:ext cx="3008313" cy="918073"/>
           </a:xfrm>
         </p:spPr>
         <p:txBody>
@@ -3047,8 +3047,8 @@
         </p:nvSpPr>
         <p:spPr>
           <a:xfrm>
-            <a:off x="3575053" y="273058"/>
-            <a:ext cx="5111750" cy="5853113"/>
+            <a:off x="3575053" y="215729"/>
+            <a:ext cx="5111750" cy="4624231"/>
           </a:xfrm>
         </p:spPr>
         <p:txBody>
@@ -3164,8 +3164,8 @@
         </p:nvSpPr>
         <p:spPr>
           <a:xfrm>
-            <a:off x="457202" y="1435106"/>
-            <a:ext cx="3008313" cy="4691063"/>
+            <a:off x="457203" y="1133801"/>
+            <a:ext cx="3008313" cy="3706157"/>
           </a:xfrm>
         </p:spPr>
         <p:txBody>
@@ -3234,7 +3234,7 @@
           <a:p>
             <a:fld id="{E90ED720-0104-4369-84BC-D37694168613}" type="datetimeFigureOut">
               <a:rPr kumimoji="1" lang="ja-JP" altLang="en-US" smtClean="0"/>
-              <a:t>2017/1/24</a:t>
+              <a:t>2017/4/7</a:t>
             </a:fld>
             <a:endParaRPr kumimoji="1" lang="ja-JP" altLang="en-US"/>
           </a:p>
@@ -3324,8 +3324,8 @@
         </p:nvSpPr>
         <p:spPr>
           <a:xfrm>
-            <a:off x="1792291" y="4800600"/>
-            <a:ext cx="5486400" cy="566738"/>
+            <a:off x="1792291" y="3792697"/>
+            <a:ext cx="5486400" cy="447749"/>
           </a:xfrm>
         </p:spPr>
         <p:txBody>
@@ -3356,8 +3356,8 @@
         </p:nvSpPr>
         <p:spPr>
           <a:xfrm>
-            <a:off x="1792291" y="612775"/>
-            <a:ext cx="5486400" cy="4114800"/>
+            <a:off x="1792291" y="484121"/>
+            <a:ext cx="5486400" cy="3250883"/>
           </a:xfrm>
         </p:spPr>
         <p:txBody>
@@ -3417,8 +3417,8 @@
         </p:nvSpPr>
         <p:spPr>
           <a:xfrm>
-            <a:off x="1792291" y="5367340"/>
-            <a:ext cx="5486400" cy="804862"/>
+            <a:off x="1792291" y="4240448"/>
+            <a:ext cx="5486400" cy="635878"/>
           </a:xfrm>
         </p:spPr>
         <p:txBody>
@@ -3487,7 +3487,7 @@
           <a:p>
             <a:fld id="{E90ED720-0104-4369-84BC-D37694168613}" type="datetimeFigureOut">
               <a:rPr kumimoji="1" lang="ja-JP" altLang="en-US" smtClean="0"/>
-              <a:t>2017/1/24</a:t>
+              <a:t>2017/4/7</a:t>
             </a:fld>
             <a:endParaRPr kumimoji="1" lang="ja-JP" altLang="en-US"/>
           </a:p>
@@ -3582,8 +3582,8 @@
         </p:nvSpPr>
         <p:spPr>
           <a:xfrm>
-            <a:off x="457204" y="274639"/>
-            <a:ext cx="8229602" cy="1143000"/>
+            <a:off x="457204" y="216978"/>
+            <a:ext cx="8229602" cy="903023"/>
           </a:xfrm>
           <a:prstGeom prst="rect">
             <a:avLst/>
@@ -3615,8 +3615,8 @@
         </p:nvSpPr>
         <p:spPr>
           <a:xfrm>
-            <a:off x="457204" y="1600206"/>
-            <a:ext cx="8229602" cy="4525963"/>
+            <a:off x="457204" y="1264237"/>
+            <a:ext cx="8229602" cy="3575721"/>
           </a:xfrm>
           <a:prstGeom prst="rect">
             <a:avLst/>
@@ -3709,8 +3709,8 @@
         </p:nvSpPr>
         <p:spPr>
           <a:xfrm>
-            <a:off x="457204" y="6356360"/>
-            <a:ext cx="2133599" cy="365125"/>
+            <a:off x="457205" y="5021819"/>
+            <a:ext cx="2133599" cy="288466"/>
           </a:xfrm>
           <a:prstGeom prst="rect">
             <a:avLst/>
@@ -3732,7 +3732,7 @@
           <a:p>
             <a:fld id="{E90ED720-0104-4369-84BC-D37694168613}" type="datetimeFigureOut">
               <a:rPr kumimoji="1" lang="ja-JP" altLang="en-US" smtClean="0"/>
-              <a:t>2017/1/24</a:t>
+              <a:t>2017/4/7</a:t>
             </a:fld>
             <a:endParaRPr kumimoji="1" lang="ja-JP" altLang="en-US"/>
           </a:p>
@@ -3750,8 +3750,8 @@
         </p:nvSpPr>
         <p:spPr>
           <a:xfrm>
-            <a:off x="3124206" y="6356360"/>
-            <a:ext cx="2895602" cy="365125"/>
+            <a:off x="3124206" y="5021819"/>
+            <a:ext cx="2895602" cy="288466"/>
           </a:xfrm>
           <a:prstGeom prst="rect">
             <a:avLst/>
@@ -3787,8 +3787,8 @@
         </p:nvSpPr>
         <p:spPr>
           <a:xfrm>
-            <a:off x="6553205" y="6356360"/>
-            <a:ext cx="2133599" cy="365125"/>
+            <a:off x="6553206" y="5021819"/>
+            <a:ext cx="2133599" cy="288466"/>
           </a:xfrm>
           <a:prstGeom prst="rect">
             <a:avLst/>
@@ -4115,7 +4115,7 @@
         </p:nvSpPr>
         <p:spPr>
           <a:xfrm>
-            <a:off x="346709" y="2321915"/>
+            <a:off x="346709" y="1537613"/>
             <a:ext cx="1472836" cy="804684"/>
           </a:xfrm>
           <a:prstGeom prst="rect">
@@ -4149,13 +4149,13 @@
               <a:defRPr/>
             </a:pPr>
             <a:r>
-              <a:rPr kumimoji="0" lang="en-US" altLang="ja-JP" sz="1600" b="1" kern="0" dirty="0" smtClean="0">
+              <a:rPr kumimoji="0" lang="en-US" altLang="ja-JP" sz="1600" b="1" kern="0" dirty="0">
                 <a:latin typeface="Meiryo UI" panose="020B0604030504040204" pitchFamily="50" charset="-128"/>
                 <a:ea typeface="Meiryo UI" panose="020B0604030504040204" pitchFamily="50" charset="-128"/>
               </a:rPr>
               <a:t>OS</a:t>
             </a:r>
-            <a:endParaRPr kumimoji="0" lang="ja-JP" altLang="en-US" sz="1600" b="1" kern="0" dirty="0" smtClean="0">
+            <a:endParaRPr kumimoji="0" lang="ja-JP" altLang="en-US" sz="1600" b="1" kern="0" dirty="0">
               <a:latin typeface="Meiryo UI" panose="020B0604030504040204" pitchFamily="50" charset="-128"/>
               <a:ea typeface="Meiryo UI" panose="020B0604030504040204" pitchFamily="50" charset="-128"/>
             </a:endParaRPr>
@@ -4170,7 +4170,7 @@
         </p:nvSpPr>
         <p:spPr>
           <a:xfrm>
-            <a:off x="2090056" y="3277135"/>
+            <a:off x="2090057" y="2492834"/>
             <a:ext cx="6595653" cy="785723"/>
           </a:xfrm>
           <a:prstGeom prst="flowChartAlternateProcess">
@@ -4202,14 +4202,14 @@
               <a:defRPr/>
             </a:pPr>
             <a:r>
-              <a:rPr kumimoji="0" lang="en-US" altLang="ja-JP" sz="2400" kern="0" dirty="0" err="1" smtClean="0">
+              <a:rPr kumimoji="0" lang="en-US" altLang="ja-JP" sz="2400" kern="0" dirty="0" err="1">
                 <a:latin typeface="Segoe UI"/>
                 <a:ea typeface="ＭＳ Ｐゴシック" panose="020B0600070205080204" pitchFamily="50" charset="-128"/>
               </a:rPr>
               <a:t>Libnoc</a:t>
             </a:r>
             <a:r>
-              <a:rPr kumimoji="0" lang="en-US" altLang="ja-JP" sz="2400" kern="0" dirty="0" smtClean="0">
+              <a:rPr kumimoji="0" lang="en-US" altLang="ja-JP" sz="2400" kern="0" dirty="0">
                 <a:latin typeface="Segoe UI"/>
                 <a:ea typeface="ＭＳ Ｐゴシック" panose="020B0600070205080204" pitchFamily="50" charset="-128"/>
               </a:rPr>
@@ -4220,17 +4220,10 @@
                 <a:latin typeface="Segoe UI"/>
                 <a:ea typeface="ＭＳ Ｐゴシック" panose="020B0600070205080204" pitchFamily="50" charset="-128"/>
               </a:rPr>
-              <a:t>L</a:t>
-            </a:r>
-            <a:r>
-              <a:rPr kumimoji="0" lang="en-US" altLang="ja-JP" sz="2400" kern="0" dirty="0" err="1" smtClean="0">
-                <a:latin typeface="Segoe UI"/>
-                <a:ea typeface="ＭＳ Ｐゴシック" panose="020B0600070205080204" pitchFamily="50" charset="-128"/>
-              </a:rPr>
-              <a:t>ibrouting</a:t>
-            </a:r>
-            <a:r>
-              <a:rPr kumimoji="0" lang="en-US" altLang="ja-JP" sz="2400" kern="0" dirty="0" smtClean="0">
+              <a:t>Librouting</a:t>
+            </a:r>
+            <a:r>
+              <a:rPr kumimoji="0" lang="en-US" altLang="ja-JP" sz="2400" kern="0" dirty="0">
                 <a:latin typeface="Segoe UI"/>
                 <a:ea typeface="ＭＳ Ｐゴシック" panose="020B0600070205080204" pitchFamily="50" charset="-128"/>
               </a:rPr>
@@ -4241,16 +4234,9 @@
                 <a:latin typeface="Segoe UI"/>
                 <a:ea typeface="ＭＳ Ｐゴシック" panose="020B0600070205080204" pitchFamily="50" charset="-128"/>
               </a:rPr>
-              <a:t>L</a:t>
-            </a:r>
-            <a:r>
-              <a:rPr kumimoji="0" lang="en-US" altLang="ja-JP" sz="2400" kern="0" dirty="0" err="1" smtClean="0">
-                <a:latin typeface="Segoe UI"/>
-                <a:ea typeface="ＭＳ Ｐゴシック" panose="020B0600070205080204" pitchFamily="50" charset="-128"/>
-              </a:rPr>
-              <a:t>ibpower</a:t>
-            </a:r>
-            <a:endParaRPr kumimoji="0" lang="ja-JP" altLang="en-US" sz="2400" kern="0" dirty="0" smtClean="0">
+              <a:t>Libpower</a:t>
+            </a:r>
+            <a:endParaRPr kumimoji="0" lang="ja-JP" altLang="en-US" sz="2400" kern="0" dirty="0">
               <a:latin typeface="Segoe UI"/>
               <a:ea typeface="ＭＳ Ｐゴシック" panose="020B0600070205080204" pitchFamily="50" charset="-128"/>
             </a:endParaRPr>
@@ -4265,7 +4251,7 @@
         </p:nvSpPr>
         <p:spPr>
           <a:xfrm>
-            <a:off x="346709" y="3271781"/>
+            <a:off x="346709" y="2487479"/>
             <a:ext cx="1472836" cy="804684"/>
           </a:xfrm>
           <a:prstGeom prst="rect">
@@ -4299,7 +4285,7 @@
               <a:defRPr/>
             </a:pPr>
             <a:r>
-              <a:rPr kumimoji="0" lang="en-US" altLang="ja-JP" sz="1600" b="1" kern="0" dirty="0" smtClean="0">
+              <a:rPr kumimoji="0" lang="en-US" altLang="ja-JP" sz="1600" b="1" kern="0" dirty="0">
                 <a:latin typeface="Meiryo UI" panose="020B0604030504040204" pitchFamily="50" charset="-128"/>
                 <a:ea typeface="Meiryo UI" panose="020B0604030504040204" pitchFamily="50" charset="-128"/>
               </a:rPr>
@@ -4317,13 +4303,13 @@
               <a:defRPr/>
             </a:pPr>
             <a:r>
-              <a:rPr kumimoji="0" lang="en-US" altLang="ja-JP" sz="1600" b="1" kern="0" dirty="0" smtClean="0">
+              <a:rPr kumimoji="0" lang="en-US" altLang="ja-JP" sz="1600" b="1" kern="0" dirty="0">
                 <a:latin typeface="Meiryo UI" panose="020B0604030504040204" pitchFamily="50" charset="-128"/>
                 <a:ea typeface="Meiryo UI" panose="020B0604030504040204" pitchFamily="50" charset="-128"/>
               </a:rPr>
               <a:t>Library</a:t>
             </a:r>
-            <a:endParaRPr kumimoji="0" lang="ja-JP" altLang="en-US" sz="1600" b="1" kern="0" dirty="0" smtClean="0">
+            <a:endParaRPr kumimoji="0" lang="ja-JP" altLang="en-US" sz="1600" b="1" kern="0" dirty="0">
               <a:latin typeface="Meiryo UI" panose="020B0604030504040204" pitchFamily="50" charset="-128"/>
               <a:ea typeface="Meiryo UI" panose="020B0604030504040204" pitchFamily="50" charset="-128"/>
             </a:endParaRPr>
@@ -4338,7 +4324,7 @@
         </p:nvSpPr>
         <p:spPr>
           <a:xfrm>
-            <a:off x="346709" y="4180827"/>
+            <a:off x="346709" y="3396525"/>
             <a:ext cx="1472836" cy="804684"/>
           </a:xfrm>
           <a:prstGeom prst="rect">
@@ -4372,7 +4358,7 @@
               <a:defRPr/>
             </a:pPr>
             <a:r>
-              <a:rPr kumimoji="0" lang="en-US" altLang="ja-JP" sz="1600" b="1" kern="0" dirty="0" smtClean="0">
+              <a:rPr kumimoji="0" lang="en-US" altLang="ja-JP" sz="1600" b="1" kern="0" dirty="0">
                 <a:latin typeface="Meiryo UI" panose="020B0604030504040204" pitchFamily="50" charset="-128"/>
                 <a:ea typeface="Meiryo UI" panose="020B0604030504040204" pitchFamily="50" charset="-128"/>
               </a:rPr>
@@ -4390,13 +4376,13 @@
               <a:defRPr/>
             </a:pPr>
             <a:r>
-              <a:rPr kumimoji="0" lang="en-US" altLang="ja-JP" sz="1600" b="1" kern="0" dirty="0" smtClean="0">
+              <a:rPr kumimoji="0" lang="en-US" altLang="ja-JP" sz="1600" b="1" kern="0" dirty="0">
                 <a:latin typeface="Meiryo UI" panose="020B0604030504040204" pitchFamily="50" charset="-128"/>
                 <a:ea typeface="Meiryo UI" panose="020B0604030504040204" pitchFamily="50" charset="-128"/>
               </a:rPr>
               <a:t>abstraction</a:t>
             </a:r>
-            <a:endParaRPr kumimoji="0" lang="ja-JP" altLang="en-US" sz="1600" b="1" kern="0" dirty="0" smtClean="0">
+            <a:endParaRPr kumimoji="0" lang="ja-JP" altLang="en-US" sz="1600" b="1" kern="0" dirty="0">
               <a:latin typeface="Meiryo UI" panose="020B0604030504040204" pitchFamily="50" charset="-128"/>
               <a:ea typeface="Meiryo UI" panose="020B0604030504040204" pitchFamily="50" charset="-128"/>
             </a:endParaRPr>
@@ -4411,7 +4397,7 @@
         </p:nvSpPr>
         <p:spPr>
           <a:xfrm>
-            <a:off x="2107292" y="2285632"/>
+            <a:off x="2107293" y="1501331"/>
             <a:ext cx="6578415" cy="785723"/>
           </a:xfrm>
           <a:prstGeom prst="flowChartAlternateProcess">
@@ -4443,7 +4429,7 @@
               <a:defRPr/>
             </a:pPr>
             <a:r>
-              <a:rPr kumimoji="0" lang="en-US" altLang="ja-JP" sz="2400" kern="0" dirty="0" smtClean="0">
+              <a:rPr kumimoji="0" lang="en-US" altLang="ja-JP" sz="2400" kern="0" dirty="0">
                 <a:latin typeface="Segoe UI"/>
                 <a:ea typeface="ＭＳ Ｐゴシック" panose="020B0600070205080204" pitchFamily="50" charset="-128"/>
               </a:rPr>
@@ -4464,7 +4450,7 @@
         </p:nvSpPr>
         <p:spPr>
           <a:xfrm>
-            <a:off x="2090055" y="4210495"/>
+            <a:off x="2090056" y="3426194"/>
             <a:ext cx="6595653" cy="785723"/>
           </a:xfrm>
           <a:prstGeom prst="flowChartAlternateProcess">
@@ -4500,16 +4486,9 @@
                 <a:latin typeface="Segoe UI"/>
                 <a:ea typeface="ＭＳ Ｐゴシック" panose="020B0600070205080204" pitchFamily="50" charset="-128"/>
               </a:rPr>
-              <a:t>A</a:t>
-            </a:r>
-            <a:r>
-              <a:rPr kumimoji="0" lang="en-US" altLang="ja-JP" sz="2400" kern="0" dirty="0" smtClean="0">
-                <a:latin typeface="Segoe UI"/>
-                <a:ea typeface="ＭＳ Ｐゴシック" panose="020B0600070205080204" pitchFamily="50" charset="-128"/>
-              </a:rPr>
-              <a:t>bstraction Package</a:t>
-            </a:r>
-            <a:endParaRPr kumimoji="0" lang="ja-JP" altLang="en-US" sz="2400" kern="0" dirty="0" smtClean="0">
+              <a:t>Abstraction Package</a:t>
+            </a:r>
+            <a:endParaRPr kumimoji="0" lang="ja-JP" altLang="en-US" sz="2400" kern="0" dirty="0">
               <a:latin typeface="Segoe UI"/>
               <a:ea typeface="ＭＳ Ｐゴシック" panose="020B0600070205080204" pitchFamily="50" charset="-128"/>
             </a:endParaRPr>
@@ -4524,7 +4503,7 @@
         </p:nvSpPr>
         <p:spPr>
           <a:xfrm>
-            <a:off x="2107292" y="5118180"/>
+            <a:off x="2107292" y="4333879"/>
             <a:ext cx="2407108" cy="785723"/>
           </a:xfrm>
           <a:prstGeom prst="flowChartAlternateProcess">
@@ -4546,25 +4525,17 @@
           <a:bodyPr rtlCol="0" anchor="ctr"/>
           <a:lstStyle/>
           <a:p>
-            <a:pPr marL="0" marR="0" lvl="0" indent="0" algn="ctr" defTabSz="914400" eaLnBrk="1" fontAlgn="auto" latinLnBrk="0" hangingPunct="1">
-              <a:lnSpc>
-                <a:spcPct val="100000"/>
-              </a:lnSpc>
+            <a:pPr algn="ctr" eaLnBrk="1" fontAlgn="auto" hangingPunct="1">
               <a:spcBef>
                 <a:spcPts val="0"/>
               </a:spcBef>
               <a:spcAft>
                 <a:spcPts val="0"/>
               </a:spcAft>
-              <a:buClrTx/>
-              <a:buSzTx/>
-              <a:buFontTx/>
-              <a:buNone/>
-              <a:tabLst/>
               <a:defRPr/>
             </a:pPr>
             <a:r>
-              <a:rPr kumimoji="0" lang="en-US" altLang="ja-JP" sz="2000" kern="0" dirty="0" smtClean="0">
+              <a:rPr kumimoji="0" lang="en-US" altLang="ja-JP" sz="2000" kern="0" dirty="0">
                 <a:latin typeface="Segoe UI"/>
                 <a:ea typeface="ＭＳ Ｐゴシック" panose="020B0600070205080204" pitchFamily="50" charset="-128"/>
               </a:rPr>
@@ -4572,37 +4543,23 @@
             </a:r>
           </a:p>
           <a:p>
-            <a:pPr marL="0" marR="0" lvl="0" indent="0" algn="ctr" defTabSz="914400" eaLnBrk="1" fontAlgn="auto" latinLnBrk="0" hangingPunct="1">
-              <a:lnSpc>
-                <a:spcPct val="100000"/>
-              </a:lnSpc>
+            <a:pPr algn="ctr" eaLnBrk="1" fontAlgn="auto" hangingPunct="1">
               <a:spcBef>
                 <a:spcPts val="0"/>
               </a:spcBef>
               <a:spcAft>
                 <a:spcPts val="0"/>
               </a:spcAft>
-              <a:buClrTx/>
-              <a:buSzTx/>
-              <a:buFontTx/>
-              <a:buNone/>
-              <a:tabLst/>
               <a:defRPr/>
             </a:pPr>
             <a:r>
-              <a:rPr kumimoji="0" lang="en-US" altLang="ja-JP" sz="2000" kern="0" dirty="0" smtClean="0">
+              <a:rPr kumimoji="0" lang="en-US" altLang="ja-JP" sz="2000" kern="0" dirty="0">
                 <a:latin typeface="Segoe UI"/>
                 <a:ea typeface="ＭＳ Ｐゴシック" panose="020B0600070205080204" pitchFamily="50" charset="-128"/>
               </a:rPr>
               <a:t>I/O Cluster #0-1</a:t>
             </a:r>
-            <a:endParaRPr kumimoji="0" lang="ja-JP" altLang="en-US" sz="2000" b="0" i="0" u="none" strike="noStrike" kern="0" cap="none" spc="0" normalizeH="0" baseline="0" noProof="0" dirty="0" smtClean="0">
-              <a:ln>
-                <a:noFill/>
-              </a:ln>
-              <a:effectLst/>
-              <a:uLnTx/>
-              <a:uFillTx/>
+            <a:endParaRPr kumimoji="0" lang="ja-JP" altLang="en-US" sz="2000" kern="0" dirty="0">
               <a:latin typeface="Segoe UI"/>
               <a:ea typeface="ＭＳ Ｐゴシック" panose="020B0600070205080204" pitchFamily="50" charset="-128"/>
             </a:endParaRPr>
@@ -4617,7 +4574,7 @@
         </p:nvSpPr>
         <p:spPr>
           <a:xfrm>
-            <a:off x="346709" y="5089873"/>
+            <a:off x="346709" y="4305571"/>
             <a:ext cx="1472836" cy="804684"/>
           </a:xfrm>
           <a:prstGeom prst="rect">
@@ -4641,21 +4598,13 @@
           </a:bodyPr>
           <a:lstStyle/>
           <a:p>
-            <a:pPr marL="0" marR="0" lvl="0" indent="0" algn="ctr" defTabSz="914400" eaLnBrk="1" fontAlgn="auto" latinLnBrk="0" hangingPunct="1">
-              <a:lnSpc>
-                <a:spcPct val="100000"/>
-              </a:lnSpc>
+            <a:pPr algn="ctr" eaLnBrk="1" fontAlgn="auto" hangingPunct="1">
               <a:spcBef>
                 <a:spcPts val="0"/>
               </a:spcBef>
               <a:spcAft>
                 <a:spcPts val="0"/>
               </a:spcAft>
-              <a:buClrTx/>
-              <a:buSzTx/>
-              <a:buFontTx/>
-              <a:buNone/>
-              <a:tabLst/>
               <a:defRPr/>
             </a:pPr>
             <a:r>
@@ -4666,25 +4615,13 @@
               <a:t>H</a:t>
             </a:r>
             <a:r>
-              <a:rPr kumimoji="0" lang="en-US" altLang="ja-JP" sz="1600" b="1" i="0" u="none" strike="noStrike" kern="0" cap="none" spc="0" normalizeH="0" baseline="0" noProof="0" dirty="0" err="1" smtClean="0">
-                <a:ln>
-                  <a:noFill/>
-                </a:ln>
-                <a:effectLst/>
-                <a:uLnTx/>
-                <a:uFillTx/>
+              <a:rPr kumimoji="0" lang="en-US" altLang="ja-JP" sz="1600" b="1" kern="0" dirty="0" err="1">
                 <a:latin typeface="Meiryo UI" panose="020B0604030504040204" pitchFamily="50" charset="-128"/>
                 <a:ea typeface="Meiryo UI" panose="020B0604030504040204" pitchFamily="50" charset="-128"/>
               </a:rPr>
               <a:t>ardware</a:t>
             </a:r>
-            <a:endParaRPr kumimoji="0" lang="ja-JP" altLang="en-US" sz="1600" b="1" i="0" u="none" strike="noStrike" kern="0" cap="none" spc="0" normalizeH="0" baseline="0" noProof="0" dirty="0" smtClean="0">
-              <a:ln>
-                <a:noFill/>
-              </a:ln>
-              <a:effectLst/>
-              <a:uLnTx/>
-              <a:uFillTx/>
+            <a:endParaRPr kumimoji="0" lang="ja-JP" altLang="en-US" sz="1600" b="1" kern="0" dirty="0">
               <a:latin typeface="Meiryo UI" panose="020B0604030504040204" pitchFamily="50" charset="-128"/>
               <a:ea typeface="Meiryo UI" panose="020B0604030504040204" pitchFamily="50" charset="-128"/>
             </a:endParaRPr>
@@ -4699,7 +4636,7 @@
         </p:nvSpPr>
         <p:spPr bwMode="auto">
           <a:xfrm>
-            <a:off x="1905000" y="990600"/>
+            <a:off x="1905001" y="206298"/>
             <a:ext cx="6981009" cy="5123542"/>
           </a:xfrm>
           <a:prstGeom prst="rect">
@@ -4727,7 +4664,7 @@
           </a:bodyPr>
           <a:lstStyle/>
           <a:p>
-            <a:pPr marL="0" marR="0" lvl="0" indent="0" algn="ctr" defTabSz="457200" eaLnBrk="1" fontAlgn="auto" latinLnBrk="0" hangingPunct="1">
+            <a:pPr algn="ctr" defTabSz="457200" eaLnBrk="1" fontAlgn="auto" hangingPunct="1">
               <a:lnSpc>
                 <a:spcPct val="90000"/>
               </a:lnSpc>
@@ -4737,23 +4674,12 @@
               <a:spcAft>
                 <a:spcPts val="0"/>
               </a:spcAft>
-              <a:buClrTx/>
-              <a:buSzTx/>
-              <a:buFontTx/>
-              <a:buNone/>
-              <a:tabLst/>
               <a:defRPr/>
             </a:pPr>
-            <a:endParaRPr kumimoji="0" lang="ja-JP" altLang="en-US" sz="1800" b="1" i="0" u="none" strike="noStrike" kern="0" cap="none" spc="0" normalizeH="0" baseline="0" noProof="0" dirty="0" smtClean="0">
-              <a:ln>
-                <a:noFill/>
-              </a:ln>
+            <a:endParaRPr kumimoji="0" lang="ja-JP" altLang="en-US" b="1" kern="0" dirty="0">
               <a:solidFill>
                 <a:prstClr val="black"/>
               </a:solidFill>
-              <a:effectLst/>
-              <a:uLnTx/>
-              <a:uFillTx/>
               <a:latin typeface="Segoe UI"/>
               <a:ea typeface="メイリオ"/>
             </a:endParaRPr>
@@ -4768,7 +4694,7 @@
         </p:nvSpPr>
         <p:spPr>
           <a:xfrm>
-            <a:off x="1999800" y="839432"/>
+            <a:off x="1999800" y="55131"/>
             <a:ext cx="1215084" cy="341083"/>
           </a:xfrm>
           <a:prstGeom prst="rect">
@@ -4793,21 +4719,13 @@
           </a:bodyPr>
           <a:lstStyle/>
           <a:p>
-            <a:pPr marL="0" marR="0" lvl="0" indent="0" algn="ctr" defTabSz="914400" eaLnBrk="1" fontAlgn="auto" latinLnBrk="0" hangingPunct="1">
-              <a:lnSpc>
-                <a:spcPct val="100000"/>
-              </a:lnSpc>
+            <a:pPr algn="ctr" eaLnBrk="1" fontAlgn="auto" hangingPunct="1">
               <a:spcBef>
                 <a:spcPts val="0"/>
               </a:spcBef>
               <a:spcAft>
                 <a:spcPts val="0"/>
               </a:spcAft>
-              <a:buClrTx/>
-              <a:buSzTx/>
-              <a:buFontTx/>
-              <a:buNone/>
-              <a:tabLst/>
               <a:defRPr/>
             </a:pPr>
             <a:r>
@@ -4820,16 +4738,10 @@
               </a:rPr>
               <a:t>system</a:t>
             </a:r>
-            <a:endParaRPr kumimoji="0" lang="ja-JP" altLang="en-US" sz="1800" b="1" i="0" u="none" strike="noStrike" kern="0" cap="none" spc="0" normalizeH="0" baseline="0" noProof="0" dirty="0" smtClean="0">
-              <a:ln>
-                <a:noFill/>
-              </a:ln>
+            <a:endParaRPr kumimoji="0" lang="ja-JP" altLang="en-US" b="1" kern="0" dirty="0">
               <a:solidFill>
                 <a:prstClr val="white"/>
               </a:solidFill>
-              <a:effectLst/>
-              <a:uLnTx/>
-              <a:uFillTx/>
               <a:latin typeface="メイリオ"/>
               <a:ea typeface="メイリオ"/>
             </a:endParaRPr>
@@ -4844,7 +4756,7 @@
         </p:nvSpPr>
         <p:spPr>
           <a:xfrm>
-            <a:off x="4608640" y="5118180"/>
+            <a:off x="4608640" y="4333879"/>
             <a:ext cx="2952848" cy="785723"/>
           </a:xfrm>
           <a:prstGeom prst="flowChartAlternateProcess">
@@ -4866,31 +4778,17 @@
           <a:bodyPr rtlCol="0" anchor="ctr"/>
           <a:lstStyle/>
           <a:p>
-            <a:pPr marL="0" marR="0" lvl="0" indent="0" algn="ctr" defTabSz="914400" eaLnBrk="1" fontAlgn="auto" latinLnBrk="0" hangingPunct="1">
-              <a:lnSpc>
-                <a:spcPct val="100000"/>
-              </a:lnSpc>
+            <a:pPr algn="ctr" eaLnBrk="1" fontAlgn="auto" hangingPunct="1">
               <a:spcBef>
                 <a:spcPts val="0"/>
               </a:spcBef>
               <a:spcAft>
                 <a:spcPts val="0"/>
               </a:spcAft>
-              <a:buClrTx/>
-              <a:buSzTx/>
-              <a:buFontTx/>
-              <a:buNone/>
-              <a:tabLst/>
               <a:defRPr/>
             </a:pPr>
             <a:r>
-              <a:rPr kumimoji="0" lang="en-US" altLang="ja-JP" sz="2000" b="0" i="0" u="none" strike="noStrike" kern="0" cap="none" spc="0" normalizeH="0" baseline="0" noProof="0" dirty="0" smtClean="0">
-                <a:ln>
-                  <a:noFill/>
-                </a:ln>
-                <a:effectLst/>
-                <a:uLnTx/>
-                <a:uFillTx/>
+              <a:rPr kumimoji="0" lang="en-US" altLang="ja-JP" sz="2000" kern="0" dirty="0">
                 <a:latin typeface="Segoe UI"/>
                 <a:ea typeface="ＭＳ Ｐゴシック" panose="020B0600070205080204" pitchFamily="50" charset="-128"/>
               </a:rPr>
@@ -4898,69 +4796,23 @@
             </a:r>
           </a:p>
           <a:p>
-            <a:pPr marL="0" marR="0" lvl="0" indent="0" algn="ctr" defTabSz="914400" eaLnBrk="1" fontAlgn="auto" latinLnBrk="0" hangingPunct="1">
-              <a:lnSpc>
-                <a:spcPct val="100000"/>
-              </a:lnSpc>
+            <a:pPr algn="ctr" eaLnBrk="1" fontAlgn="auto" hangingPunct="1">
               <a:spcBef>
                 <a:spcPts val="0"/>
               </a:spcBef>
               <a:spcAft>
                 <a:spcPts val="0"/>
               </a:spcAft>
-              <a:buClrTx/>
-              <a:buSzTx/>
-              <a:buFontTx/>
-              <a:buNone/>
-              <a:tabLst/>
               <a:defRPr/>
             </a:pPr>
             <a:r>
-              <a:rPr kumimoji="0" lang="en-US" altLang="ja-JP" sz="2000" b="0" i="0" u="none" strike="noStrike" kern="0" cap="none" spc="0" normalizeH="0" baseline="0" noProof="0" dirty="0" smtClean="0">
-                <a:ln>
-                  <a:noFill/>
-                </a:ln>
-                <a:effectLst/>
-                <a:uLnTx/>
-                <a:uFillTx/>
+              <a:rPr kumimoji="0" lang="en-US" altLang="ja-JP" sz="2000" kern="0" dirty="0">
                 <a:latin typeface="Segoe UI"/>
                 <a:ea typeface="ＭＳ Ｐゴシック" panose="020B0600070205080204" pitchFamily="50" charset="-128"/>
               </a:rPr>
-              <a:t>Compute</a:t>
-            </a:r>
-            <a:r>
-              <a:rPr kumimoji="0" lang="en-US" altLang="ja-JP" sz="2000" b="0" i="0" u="none" strike="noStrike" kern="0" cap="none" spc="0" normalizeH="0" noProof="0" dirty="0" smtClean="0">
-                <a:ln>
-                  <a:noFill/>
-                </a:ln>
-                <a:effectLst/>
-                <a:uLnTx/>
-                <a:uFillTx/>
-                <a:latin typeface="Segoe UI"/>
-                <a:ea typeface="ＭＳ Ｐゴシック" panose="020B0600070205080204" pitchFamily="50" charset="-128"/>
-              </a:rPr>
-              <a:t> </a:t>
-            </a:r>
-            <a:r>
-              <a:rPr kumimoji="0" lang="en-US" altLang="ja-JP" sz="2000" b="0" i="0" u="none" strike="noStrike" kern="0" cap="none" spc="0" normalizeH="0" baseline="0" noProof="0" dirty="0" smtClean="0">
-                <a:ln>
-                  <a:noFill/>
-                </a:ln>
-                <a:effectLst/>
-                <a:uLnTx/>
-                <a:uFillTx/>
-                <a:latin typeface="Segoe UI"/>
-                <a:ea typeface="ＭＳ Ｐゴシック" panose="020B0600070205080204" pitchFamily="50" charset="-128"/>
-              </a:rPr>
-              <a:t>Cluster #0-15 </a:t>
-            </a:r>
-            <a:endParaRPr kumimoji="0" lang="ja-JP" altLang="en-US" sz="2000" b="0" i="0" u="none" strike="noStrike" kern="0" cap="none" spc="0" normalizeH="0" baseline="0" noProof="0" dirty="0" smtClean="0">
-              <a:ln>
-                <a:noFill/>
-              </a:ln>
-              <a:effectLst/>
-              <a:uLnTx/>
-              <a:uFillTx/>
+              <a:t>Compute Cluster #0-15 </a:t>
+            </a:r>
+            <a:endParaRPr kumimoji="0" lang="ja-JP" altLang="en-US" sz="2000" kern="0" dirty="0">
               <a:latin typeface="Segoe UI"/>
               <a:ea typeface="ＭＳ Ｐゴシック" panose="020B0600070205080204" pitchFamily="50" charset="-128"/>
             </a:endParaRPr>
@@ -4975,7 +4827,7 @@
         </p:nvSpPr>
         <p:spPr>
           <a:xfrm>
-            <a:off x="346709" y="1372049"/>
+            <a:off x="346709" y="587747"/>
             <a:ext cx="1472836" cy="804684"/>
           </a:xfrm>
           <a:prstGeom prst="rect">
@@ -5009,13 +4861,13 @@
               <a:defRPr/>
             </a:pPr>
             <a:r>
-              <a:rPr kumimoji="0" lang="en-US" altLang="ja-JP" sz="1600" b="1" kern="0" dirty="0" smtClean="0">
+              <a:rPr kumimoji="0" lang="en-US" altLang="ja-JP" sz="1600" b="1" kern="0" dirty="0">
                 <a:latin typeface="Meiryo UI" panose="020B0604030504040204" pitchFamily="50" charset="-128"/>
                 <a:ea typeface="Meiryo UI" panose="020B0604030504040204" pitchFamily="50" charset="-128"/>
               </a:rPr>
               <a:t>User-space</a:t>
             </a:r>
-            <a:endParaRPr kumimoji="0" lang="ja-JP" altLang="en-US" sz="1600" b="1" kern="0" dirty="0" smtClean="0">
+            <a:endParaRPr kumimoji="0" lang="ja-JP" altLang="en-US" sz="1600" b="1" kern="0" dirty="0">
               <a:latin typeface="Meiryo UI" panose="020B0604030504040204" pitchFamily="50" charset="-128"/>
               <a:ea typeface="Meiryo UI" panose="020B0604030504040204" pitchFamily="50" charset="-128"/>
             </a:endParaRPr>
@@ -5030,7 +4882,7 @@
         </p:nvSpPr>
         <p:spPr>
           <a:xfrm>
-            <a:off x="2106296" y="1352272"/>
+            <a:off x="2106297" y="567971"/>
             <a:ext cx="6578415" cy="785723"/>
           </a:xfrm>
           <a:prstGeom prst="flowChartAlternateProcess">
@@ -5062,28 +4914,28 @@
               <a:defRPr/>
             </a:pPr>
             <a:r>
-              <a:rPr kumimoji="0" lang="en-US" altLang="ja-JP" sz="2400" kern="0" dirty="0" smtClean="0">
+              <a:rPr kumimoji="0" lang="en-US" altLang="ja-JP" sz="2400" kern="0" dirty="0">
                 <a:latin typeface="Segoe UI"/>
                 <a:ea typeface="ＭＳ Ｐゴシック" panose="020B0600070205080204" pitchFamily="50" charset="-128"/>
               </a:rPr>
               <a:t>POSIX, </a:t>
             </a:r>
             <a:r>
-              <a:rPr kumimoji="0" lang="en-US" altLang="ja-JP" sz="2400" kern="0" dirty="0" err="1" smtClean="0">
+              <a:rPr kumimoji="0" lang="en-US" altLang="ja-JP" sz="2400" kern="0" dirty="0" err="1">
                 <a:latin typeface="Segoe UI"/>
                 <a:ea typeface="ＭＳ Ｐゴシック" panose="020B0600070205080204" pitchFamily="50" charset="-128"/>
               </a:rPr>
               <a:t>OpenMP</a:t>
             </a:r>
             <a:r>
-              <a:rPr kumimoji="0" lang="en-US" altLang="ja-JP" sz="2400" kern="0" dirty="0" smtClean="0">
+              <a:rPr kumimoji="0" lang="en-US" altLang="ja-JP" sz="2400" kern="0" dirty="0">
                 <a:latin typeface="Segoe UI"/>
                 <a:ea typeface="ＭＳ Ｐゴシック" panose="020B0600070205080204" pitchFamily="50" charset="-128"/>
               </a:rPr>
               <a:t>, </a:t>
             </a:r>
             <a:r>
-              <a:rPr kumimoji="0" lang="en-US" altLang="ja-JP" sz="2400" kern="0" dirty="0" err="1" smtClean="0">
+              <a:rPr kumimoji="0" lang="en-US" altLang="ja-JP" sz="2400" kern="0" dirty="0" err="1">
                 <a:latin typeface="Segoe UI"/>
                 <a:ea typeface="ＭＳ Ｐゴシック" panose="020B0600070205080204" pitchFamily="50" charset="-128"/>
               </a:rPr>
@@ -5094,14 +4946,7 @@
                 <a:latin typeface="Segoe UI"/>
                 <a:ea typeface="ＭＳ Ｐゴシック" panose="020B0600070205080204" pitchFamily="50" charset="-128"/>
               </a:rPr>
-              <a:t> </a:t>
-            </a:r>
-            <a:r>
-              <a:rPr kumimoji="0" lang="en-US" altLang="ja-JP" sz="2400" kern="0" dirty="0" smtClean="0">
-                <a:latin typeface="Segoe UI"/>
-                <a:ea typeface="ＭＳ Ｐゴシック" panose="020B0600070205080204" pitchFamily="50" charset="-128"/>
-              </a:rPr>
-              <a:t>etc.</a:t>
+              <a:t> etc.</a:t>
             </a:r>
             <a:endParaRPr kumimoji="0" lang="ja-JP" altLang="en-US" sz="2400" kern="0" dirty="0">
               <a:latin typeface="Segoe UI"/>
@@ -5118,7 +4963,7 @@
         </p:nvSpPr>
         <p:spPr>
           <a:xfrm>
-            <a:off x="7655729" y="5118180"/>
+            <a:off x="7655730" y="4333879"/>
             <a:ext cx="1025855" cy="785723"/>
           </a:xfrm>
           <a:prstGeom prst="flowChartAlternateProcess">
@@ -5140,43 +4985,23 @@
           <a:bodyPr rtlCol="0" anchor="ctr"/>
           <a:lstStyle/>
           <a:p>
-            <a:pPr marL="0" marR="0" lvl="0" indent="0" algn="ctr" defTabSz="914400" eaLnBrk="1" fontAlgn="auto" latinLnBrk="0" hangingPunct="1">
-              <a:lnSpc>
-                <a:spcPct val="100000"/>
-              </a:lnSpc>
+            <a:pPr algn="ctr" eaLnBrk="1" fontAlgn="auto" hangingPunct="1">
               <a:spcBef>
                 <a:spcPts val="0"/>
               </a:spcBef>
               <a:spcAft>
                 <a:spcPts val="0"/>
               </a:spcAft>
-              <a:buClrTx/>
-              <a:buSzTx/>
-              <a:buFontTx/>
-              <a:buNone/>
-              <a:tabLst/>
               <a:defRPr/>
             </a:pPr>
             <a:r>
-              <a:rPr kumimoji="0" lang="en-US" altLang="ja-JP" sz="2000" b="0" i="0" u="none" strike="noStrike" kern="0" cap="none" spc="0" normalizeH="0" baseline="0" noProof="0" dirty="0" smtClean="0">
-                <a:ln>
-                  <a:noFill/>
-                </a:ln>
-                <a:effectLst/>
-                <a:uLnTx/>
-                <a:uFillTx/>
+              <a:rPr kumimoji="0" lang="en-US" altLang="ja-JP" sz="2000" kern="0" dirty="0">
                 <a:latin typeface="Segoe UI"/>
                 <a:ea typeface="ＭＳ Ｐゴシック" panose="020B0600070205080204" pitchFamily="50" charset="-128"/>
               </a:rPr>
               <a:t>NoC</a:t>
             </a:r>
-            <a:endParaRPr kumimoji="0" lang="ja-JP" altLang="en-US" sz="2000" b="0" i="0" u="none" strike="noStrike" kern="0" cap="none" spc="0" normalizeH="0" baseline="0" noProof="0" dirty="0" smtClean="0">
-              <a:ln>
-                <a:noFill/>
-              </a:ln>
-              <a:effectLst/>
-              <a:uLnTx/>
-              <a:uFillTx/>
+            <a:endParaRPr kumimoji="0" lang="ja-JP" altLang="en-US" sz="2000" kern="0" dirty="0">
               <a:latin typeface="Segoe UI"/>
               <a:ea typeface="ＭＳ Ｐゴシック" panose="020B0600070205080204" pitchFamily="50" charset="-128"/>
             </a:endParaRPr>

--- a/figure/softwarestack.pptx
+++ b/figure/softwarestack.pptx
@@ -1012,7 +1012,7 @@
           <a:p>
             <a:fld id="{E90ED720-0104-4369-84BC-D37694168613}" type="datetimeFigureOut">
               <a:rPr kumimoji="1" lang="ja-JP" altLang="en-US" smtClean="0"/>
-              <a:t>2017/4/7</a:t>
+              <a:t>2017/6/25</a:t>
             </a:fld>
             <a:endParaRPr kumimoji="1" lang="ja-JP" altLang="en-US"/>
           </a:p>
@@ -1214,7 +1214,7 @@
           <a:p>
             <a:fld id="{E90ED720-0104-4369-84BC-D37694168613}" type="datetimeFigureOut">
               <a:rPr kumimoji="1" lang="ja-JP" altLang="en-US" smtClean="0"/>
-              <a:t>2017/4/7</a:t>
+              <a:t>2017/6/25</a:t>
             </a:fld>
             <a:endParaRPr kumimoji="1" lang="ja-JP" altLang="en-US"/>
           </a:p>
@@ -1426,7 +1426,7 @@
           <a:p>
             <a:fld id="{E90ED720-0104-4369-84BC-D37694168613}" type="datetimeFigureOut">
               <a:rPr kumimoji="1" lang="ja-JP" altLang="en-US" smtClean="0"/>
-              <a:t>2017/4/7</a:t>
+              <a:t>2017/6/25</a:t>
             </a:fld>
             <a:endParaRPr kumimoji="1" lang="ja-JP" altLang="en-US"/>
           </a:p>
@@ -1628,7 +1628,7 @@
           <a:p>
             <a:fld id="{E90ED720-0104-4369-84BC-D37694168613}" type="datetimeFigureOut">
               <a:rPr kumimoji="1" lang="ja-JP" altLang="en-US" smtClean="0"/>
-              <a:t>2017/4/7</a:t>
+              <a:t>2017/6/25</a:t>
             </a:fld>
             <a:endParaRPr kumimoji="1" lang="ja-JP" altLang="en-US"/>
           </a:p>
@@ -1874,7 +1874,7 @@
           <a:p>
             <a:fld id="{E90ED720-0104-4369-84BC-D37694168613}" type="datetimeFigureOut">
               <a:rPr kumimoji="1" lang="ja-JP" altLang="en-US" smtClean="0"/>
-              <a:t>2017/4/7</a:t>
+              <a:t>2017/6/25</a:t>
             </a:fld>
             <a:endParaRPr kumimoji="1" lang="ja-JP" altLang="en-US"/>
           </a:p>
@@ -2226,7 +2226,7 @@
           <a:p>
             <a:fld id="{E90ED720-0104-4369-84BC-D37694168613}" type="datetimeFigureOut">
               <a:rPr kumimoji="1" lang="ja-JP" altLang="en-US" smtClean="0"/>
-              <a:t>2017/4/7</a:t>
+              <a:t>2017/6/25</a:t>
             </a:fld>
             <a:endParaRPr kumimoji="1" lang="ja-JP" altLang="en-US"/>
           </a:p>
@@ -2712,7 +2712,7 @@
           <a:p>
             <a:fld id="{E90ED720-0104-4369-84BC-D37694168613}" type="datetimeFigureOut">
               <a:rPr kumimoji="1" lang="ja-JP" altLang="en-US" smtClean="0"/>
-              <a:t>2017/4/7</a:t>
+              <a:t>2017/6/25</a:t>
             </a:fld>
             <a:endParaRPr kumimoji="1" lang="ja-JP" altLang="en-US"/>
           </a:p>
@@ -2830,7 +2830,7 @@
           <a:p>
             <a:fld id="{E90ED720-0104-4369-84BC-D37694168613}" type="datetimeFigureOut">
               <a:rPr kumimoji="1" lang="ja-JP" altLang="en-US" smtClean="0"/>
-              <a:t>2017/4/7</a:t>
+              <a:t>2017/6/25</a:t>
             </a:fld>
             <a:endParaRPr kumimoji="1" lang="ja-JP" altLang="en-US"/>
           </a:p>
@@ -2925,7 +2925,7 @@
           <a:p>
             <a:fld id="{E90ED720-0104-4369-84BC-D37694168613}" type="datetimeFigureOut">
               <a:rPr kumimoji="1" lang="ja-JP" altLang="en-US" smtClean="0"/>
-              <a:t>2017/4/7</a:t>
+              <a:t>2017/6/25</a:t>
             </a:fld>
             <a:endParaRPr kumimoji="1" lang="ja-JP" altLang="en-US"/>
           </a:p>
@@ -3234,7 +3234,7 @@
           <a:p>
             <a:fld id="{E90ED720-0104-4369-84BC-D37694168613}" type="datetimeFigureOut">
               <a:rPr kumimoji="1" lang="ja-JP" altLang="en-US" smtClean="0"/>
-              <a:t>2017/4/7</a:t>
+              <a:t>2017/6/25</a:t>
             </a:fld>
             <a:endParaRPr kumimoji="1" lang="ja-JP" altLang="en-US"/>
           </a:p>
@@ -3487,7 +3487,7 @@
           <a:p>
             <a:fld id="{E90ED720-0104-4369-84BC-D37694168613}" type="datetimeFigureOut">
               <a:rPr kumimoji="1" lang="ja-JP" altLang="en-US" smtClean="0"/>
-              <a:t>2017/4/7</a:t>
+              <a:t>2017/6/25</a:t>
             </a:fld>
             <a:endParaRPr kumimoji="1" lang="ja-JP" altLang="en-US"/>
           </a:p>
@@ -3732,7 +3732,7 @@
           <a:p>
             <a:fld id="{E90ED720-0104-4369-84BC-D37694168613}" type="datetimeFigureOut">
               <a:rPr kumimoji="1" lang="ja-JP" altLang="en-US" smtClean="0"/>
-              <a:t>2017/4/7</a:t>
+              <a:t>2017/6/25</a:t>
             </a:fld>
             <a:endParaRPr kumimoji="1" lang="ja-JP" altLang="en-US"/>
           </a:p>
@@ -4557,7 +4557,14 @@
                 <a:latin typeface="Segoe UI"/>
                 <a:ea typeface="ＭＳ Ｐゴシック" panose="020B0600070205080204" pitchFamily="50" charset="-128"/>
               </a:rPr>
-              <a:t>I/O Cluster #0-1</a:t>
+              <a:t>I/O Cluster </a:t>
+            </a:r>
+            <a:r>
+              <a:rPr kumimoji="0" lang="en-US" altLang="ja-JP" sz="2000" kern="0" dirty="0" smtClean="0">
+                <a:latin typeface="Segoe UI"/>
+                <a:ea typeface="ＭＳ Ｐゴシック" panose="020B0600070205080204" pitchFamily="50" charset="-128"/>
+              </a:rPr>
+              <a:t>#0-1</a:t>
             </a:r>
             <a:endParaRPr kumimoji="0" lang="ja-JP" altLang="en-US" sz="2000" kern="0" dirty="0">
               <a:latin typeface="Segoe UI"/>
@@ -4810,7 +4817,14 @@
                 <a:latin typeface="Segoe UI"/>
                 <a:ea typeface="ＭＳ Ｐゴシック" panose="020B0600070205080204" pitchFamily="50" charset="-128"/>
               </a:rPr>
-              <a:t>Compute Cluster #0-15 </a:t>
+              <a:t>Compute Cluster </a:t>
+            </a:r>
+            <a:r>
+              <a:rPr kumimoji="0" lang="en-US" altLang="ja-JP" sz="2000" kern="0" dirty="0" smtClean="0">
+                <a:latin typeface="Segoe UI"/>
+                <a:ea typeface="ＭＳ Ｐゴシック" panose="020B0600070205080204" pitchFamily="50" charset="-128"/>
+              </a:rPr>
+              <a:t>#1-16 </a:t>
             </a:r>
             <a:endParaRPr kumimoji="0" lang="ja-JP" altLang="en-US" sz="2000" kern="0" dirty="0">
               <a:latin typeface="Segoe UI"/>
